--- a/DSP/MIkkel-PowerPoints/DSP-01-IIR_Impuls-invairiant.pptx
+++ b/DSP/MIkkel-PowerPoints/DSP-01-IIR_Impuls-invairiant.pptx
@@ -552,7 +552,7 @@
           <a:p>
             <a:fld id="{846CE7D5-CF57-46EF-B807-FDD0502418D4}" type="datetimeFigureOut">
               <a:rPr lang="en-US" smtClean="0"/>
-              <a:t>12/26/2024</a:t>
+              <a:t>1/15/2025</a:t>
             </a:fld>
             <a:endParaRPr lang="en-US"/>
           </a:p>
@@ -594,7 +594,7 @@
           <a:p>
             <a:fld id="{330EA680-D336-4FF7-8B7A-9848BB0A1C32}" type="slidenum">
               <a:rPr lang="en-US" smtClean="0"/>
-              <a:t>‹#›</a:t>
+              <a:t>‹nr.›</a:t>
             </a:fld>
             <a:endParaRPr lang="en-US"/>
           </a:p>
@@ -722,7 +722,7 @@
           <a:p>
             <a:fld id="{846CE7D5-CF57-46EF-B807-FDD0502418D4}" type="datetimeFigureOut">
               <a:rPr lang="en-US" smtClean="0"/>
-              <a:t>12/26/2024</a:t>
+              <a:t>1/15/2025</a:t>
             </a:fld>
             <a:endParaRPr lang="en-US"/>
           </a:p>
@@ -764,7 +764,7 @@
           <a:p>
             <a:fld id="{330EA680-D336-4FF7-8B7A-9848BB0A1C32}" type="slidenum">
               <a:rPr lang="en-US" smtClean="0"/>
-              <a:t>‹#›</a:t>
+              <a:t>‹nr.›</a:t>
             </a:fld>
             <a:endParaRPr lang="en-US"/>
           </a:p>
@@ -902,7 +902,7 @@
           <a:p>
             <a:fld id="{846CE7D5-CF57-46EF-B807-FDD0502418D4}" type="datetimeFigureOut">
               <a:rPr lang="en-US" smtClean="0"/>
-              <a:t>12/26/2024</a:t>
+              <a:t>1/15/2025</a:t>
             </a:fld>
             <a:endParaRPr lang="en-US"/>
           </a:p>
@@ -944,7 +944,7 @@
           <a:p>
             <a:fld id="{330EA680-D336-4FF7-8B7A-9848BB0A1C32}" type="slidenum">
               <a:rPr lang="en-US" smtClean="0"/>
-              <a:t>‹#›</a:t>
+              <a:t>‹nr.›</a:t>
             </a:fld>
             <a:endParaRPr lang="en-US"/>
           </a:p>
@@ -1072,7 +1072,7 @@
           <a:p>
             <a:fld id="{846CE7D5-CF57-46EF-B807-FDD0502418D4}" type="datetimeFigureOut">
               <a:rPr lang="en-US" smtClean="0"/>
-              <a:t>12/26/2024</a:t>
+              <a:t>1/15/2025</a:t>
             </a:fld>
             <a:endParaRPr lang="en-US"/>
           </a:p>
@@ -1114,7 +1114,7 @@
           <a:p>
             <a:fld id="{330EA680-D336-4FF7-8B7A-9848BB0A1C32}" type="slidenum">
               <a:rPr lang="en-US" smtClean="0"/>
-              <a:t>‹#›</a:t>
+              <a:t>‹nr.›</a:t>
             </a:fld>
             <a:endParaRPr lang="en-US"/>
           </a:p>
@@ -1318,7 +1318,7 @@
           <a:p>
             <a:fld id="{846CE7D5-CF57-46EF-B807-FDD0502418D4}" type="datetimeFigureOut">
               <a:rPr lang="en-US" smtClean="0"/>
-              <a:t>12/26/2024</a:t>
+              <a:t>1/15/2025</a:t>
             </a:fld>
             <a:endParaRPr lang="en-US"/>
           </a:p>
@@ -1360,7 +1360,7 @@
           <a:p>
             <a:fld id="{330EA680-D336-4FF7-8B7A-9848BB0A1C32}" type="slidenum">
               <a:rPr lang="en-US" smtClean="0"/>
-              <a:t>‹#›</a:t>
+              <a:t>‹nr.›</a:t>
             </a:fld>
             <a:endParaRPr lang="en-US"/>
           </a:p>
@@ -1550,7 +1550,7 @@
           <a:p>
             <a:fld id="{846CE7D5-CF57-46EF-B807-FDD0502418D4}" type="datetimeFigureOut">
               <a:rPr lang="en-US" smtClean="0"/>
-              <a:t>12/26/2024</a:t>
+              <a:t>1/15/2025</a:t>
             </a:fld>
             <a:endParaRPr lang="en-US"/>
           </a:p>
@@ -1592,7 +1592,7 @@
           <a:p>
             <a:fld id="{330EA680-D336-4FF7-8B7A-9848BB0A1C32}" type="slidenum">
               <a:rPr lang="en-US" smtClean="0"/>
-              <a:t>‹#›</a:t>
+              <a:t>‹nr.›</a:t>
             </a:fld>
             <a:endParaRPr lang="en-US"/>
           </a:p>
@@ -1917,7 +1917,7 @@
           <a:p>
             <a:fld id="{846CE7D5-CF57-46EF-B807-FDD0502418D4}" type="datetimeFigureOut">
               <a:rPr lang="en-US" smtClean="0"/>
-              <a:t>12/26/2024</a:t>
+              <a:t>1/15/2025</a:t>
             </a:fld>
             <a:endParaRPr lang="en-US"/>
           </a:p>
@@ -1959,7 +1959,7 @@
           <a:p>
             <a:fld id="{330EA680-D336-4FF7-8B7A-9848BB0A1C32}" type="slidenum">
               <a:rPr lang="en-US" smtClean="0"/>
-              <a:t>‹#›</a:t>
+              <a:t>‹nr.›</a:t>
             </a:fld>
             <a:endParaRPr lang="en-US"/>
           </a:p>
@@ -2035,7 +2035,7 @@
           <a:p>
             <a:fld id="{846CE7D5-CF57-46EF-B807-FDD0502418D4}" type="datetimeFigureOut">
               <a:rPr lang="en-US" smtClean="0"/>
-              <a:t>12/26/2024</a:t>
+              <a:t>1/15/2025</a:t>
             </a:fld>
             <a:endParaRPr lang="en-US"/>
           </a:p>
@@ -2077,7 +2077,7 @@
           <a:p>
             <a:fld id="{330EA680-D336-4FF7-8B7A-9848BB0A1C32}" type="slidenum">
               <a:rPr lang="en-US" smtClean="0"/>
-              <a:t>‹#›</a:t>
+              <a:t>‹nr.›</a:t>
             </a:fld>
             <a:endParaRPr lang="en-US"/>
           </a:p>
@@ -2130,7 +2130,7 @@
           <a:p>
             <a:fld id="{846CE7D5-CF57-46EF-B807-FDD0502418D4}" type="datetimeFigureOut">
               <a:rPr lang="en-US" smtClean="0"/>
-              <a:t>12/26/2024</a:t>
+              <a:t>1/15/2025</a:t>
             </a:fld>
             <a:endParaRPr lang="en-US"/>
           </a:p>
@@ -2172,7 +2172,7 @@
           <a:p>
             <a:fld id="{330EA680-D336-4FF7-8B7A-9848BB0A1C32}" type="slidenum">
               <a:rPr lang="en-US" smtClean="0"/>
-              <a:t>‹#›</a:t>
+              <a:t>‹nr.›</a:t>
             </a:fld>
             <a:endParaRPr lang="en-US"/>
           </a:p>
@@ -2407,7 +2407,7 @@
           <a:p>
             <a:fld id="{846CE7D5-CF57-46EF-B807-FDD0502418D4}" type="datetimeFigureOut">
               <a:rPr lang="en-US" smtClean="0"/>
-              <a:t>12/26/2024</a:t>
+              <a:t>1/15/2025</a:t>
             </a:fld>
             <a:endParaRPr lang="en-US"/>
           </a:p>
@@ -2449,7 +2449,7 @@
           <a:p>
             <a:fld id="{330EA680-D336-4FF7-8B7A-9848BB0A1C32}" type="slidenum">
               <a:rPr lang="en-US" smtClean="0"/>
-              <a:t>‹#›</a:t>
+              <a:t>‹nr.›</a:t>
             </a:fld>
             <a:endParaRPr lang="en-US"/>
           </a:p>
@@ -2664,7 +2664,7 @@
           <a:p>
             <a:fld id="{846CE7D5-CF57-46EF-B807-FDD0502418D4}" type="datetimeFigureOut">
               <a:rPr lang="en-US" smtClean="0"/>
-              <a:t>12/26/2024</a:t>
+              <a:t>1/15/2025</a:t>
             </a:fld>
             <a:endParaRPr lang="en-US"/>
           </a:p>
@@ -2706,7 +2706,7 @@
           <a:p>
             <a:fld id="{330EA680-D336-4FF7-8B7A-9848BB0A1C32}" type="slidenum">
               <a:rPr lang="en-US" smtClean="0"/>
-              <a:t>‹#›</a:t>
+              <a:t>‹nr.›</a:t>
             </a:fld>
             <a:endParaRPr lang="en-US"/>
           </a:p>
@@ -2877,7 +2877,7 @@
           <a:p>
             <a:fld id="{846CE7D5-CF57-46EF-B807-FDD0502418D4}" type="datetimeFigureOut">
               <a:rPr lang="en-US" smtClean="0"/>
-              <a:t>12/26/2024</a:t>
+              <a:t>1/15/2025</a:t>
             </a:fld>
             <a:endParaRPr lang="en-US"/>
           </a:p>
@@ -2955,7 +2955,7 @@
           <a:p>
             <a:fld id="{330EA680-D336-4FF7-8B7A-9848BB0A1C32}" type="slidenum">
               <a:rPr lang="en-US" smtClean="0"/>
-              <a:t>‹#›</a:t>
+              <a:t>‹nr.›</a:t>
             </a:fld>
             <a:endParaRPr lang="en-US"/>
           </a:p>
@@ -3635,7 +3635,7 @@
         </p:blipFill>
         <p:spPr>
           <a:xfrm>
-            <a:off x="835357" y="1718552"/>
+            <a:off x="835357" y="3179886"/>
             <a:ext cx="5949287" cy="3125195"/>
           </a:xfrm>
           <a:prstGeom prst="rect">
@@ -3665,7 +3665,7 @@
         </p:blipFill>
         <p:spPr>
           <a:xfrm>
-            <a:off x="6476432" y="2254013"/>
+            <a:off x="6715715" y="3877718"/>
             <a:ext cx="5301018" cy="2042900"/>
           </a:xfrm>
           <a:prstGeom prst="rect">
@@ -3695,8 +3695,38 @@
         </p:blipFill>
         <p:spPr>
           <a:xfrm>
-            <a:off x="8697747" y="1158425"/>
+            <a:off x="8825934" y="2748508"/>
             <a:ext cx="2007073" cy="1129210"/>
+          </a:xfrm>
+          <a:prstGeom prst="rect">
+            <a:avLst/>
+          </a:prstGeom>
+        </p:spPr>
+      </p:pic>
+      <p:pic>
+        <p:nvPicPr>
+          <p:cNvPr id="6" name="Billede 5">
+            <a:extLst>
+              <a:ext uri="{FF2B5EF4-FFF2-40B4-BE49-F238E27FC236}">
+                <a16:creationId xmlns:a16="http://schemas.microsoft.com/office/drawing/2014/main" id="{29125470-5E29-C311-EC23-BF38E9D3EE84}"/>
+              </a:ext>
+            </a:extLst>
+          </p:cNvPr>
+          <p:cNvPicPr>
+            <a:picLocks noChangeAspect="1"/>
+          </p:cNvPicPr>
+          <p:nvPr/>
+        </p:nvPicPr>
+        <p:blipFill>
+          <a:blip r:embed="rId5"/>
+          <a:stretch>
+            <a:fillRect/>
+          </a:stretch>
+        </p:blipFill>
+        <p:spPr>
+          <a:xfrm>
+            <a:off x="923158" y="1481608"/>
+            <a:ext cx="6263265" cy="1316078"/>
           </a:xfrm>
           <a:prstGeom prst="rect">
             <a:avLst/>
@@ -3733,31 +3763,6 @@
           <a:chExt cx="0" cy="0"/>
         </a:xfrm>
       </p:grpSpPr>
-      <p:sp>
-        <p:nvSpPr>
-          <p:cNvPr id="2" name="Title 1">
-            <a:extLst>
-              <a:ext uri="{FF2B5EF4-FFF2-40B4-BE49-F238E27FC236}">
-                <a16:creationId xmlns:a16="http://schemas.microsoft.com/office/drawing/2014/main" id="{E25C2AEB-BE8C-81EA-D7DD-9EBB258ED009}"/>
-              </a:ext>
-            </a:extLst>
-          </p:cNvPr>
-          <p:cNvSpPr>
-            <a:spLocks noGrp="1"/>
-          </p:cNvSpPr>
-          <p:nvPr>
-            <p:ph type="title"/>
-          </p:nvPr>
-        </p:nvSpPr>
-        <p:spPr/>
-        <p:txBody>
-          <a:bodyPr/>
-          <a:lstStyle/>
-          <a:p>
-            <a:endParaRPr lang="en-US"/>
-          </a:p>
-        </p:txBody>
-      </p:sp>
       <p:pic>
         <p:nvPicPr>
           <p:cNvPr id="4" name="Picture 3" descr="A group of math equations&#10;&#10;Description automatically generated">
